--- a/M07_Variables_tipo_referencia/01 Presentacion/MOD05-Variables_Tipo_Referencia.pptx
+++ b/M07_Variables_tipo_referencia/01 Presentacion/MOD05-Variables_Tipo_Referencia.pptx
@@ -37,22 +37,23 @@
   <p:notesSz cx="6858000" cy="9144000"/>
   <p:embeddedFontLst>
     <p:embeddedFont>
-      <p:font typeface="Cascadia Code" panose="020B0509020204030204" pitchFamily="49" charset="0"/>
+      <p:font typeface="Cascadia Code" panose="020B0609020000020004" pitchFamily="49" charset="0"/>
       <p:regular r:id="rId27"/>
+      <p:bold r:id="rId28"/>
     </p:embeddedFont>
     <p:embeddedFont>
       <p:font typeface="Consolas" panose="020B0609020204030204" pitchFamily="49" charset="0"/>
-      <p:regular r:id="rId28"/>
-      <p:bold r:id="rId29"/>
-      <p:italic r:id="rId30"/>
-      <p:boldItalic r:id="rId31"/>
+      <p:regular r:id="rId29"/>
+      <p:bold r:id="rId30"/>
+      <p:italic r:id="rId31"/>
+      <p:boldItalic r:id="rId32"/>
     </p:embeddedFont>
     <p:embeddedFont>
-      <p:font typeface="Roboto" panose="02000000000000000000" pitchFamily="2" charset="0"/>
-      <p:regular r:id="rId32"/>
-      <p:bold r:id="rId33"/>
-      <p:italic r:id="rId34"/>
-      <p:boldItalic r:id="rId35"/>
+      <p:font typeface="Roboto" panose="020B0604020202020204" charset="0"/>
+      <p:regular r:id="rId33"/>
+      <p:bold r:id="rId34"/>
+      <p:italic r:id="rId35"/>
+      <p:boldItalic r:id="rId36"/>
     </p:embeddedFont>
   </p:embeddedFontLst>
   <p:defaultTextStyle>
@@ -8216,8 +8217,8 @@
               <a:buNone/>
             </a:pPr>
             <a:r>
-              <a:rPr lang="es-MX" dirty="0"/>
-              <a:t>Módulo 5</a:t>
+              <a:rPr lang="es-MX"/>
+              <a:t>Módulo 7</a:t>
             </a:r>
             <a:br>
               <a:rPr lang="es-MX" dirty="0"/>
